--- a/contrôles robot 2024.pptx
+++ b/contrôles robot 2024.pptx
@@ -4033,10 +4033,10 @@
       </p:sp>
       <p:sp>
         <p:nvSpPr>
-          <p:cNvPr id="41" name="TextBox 40">
-            <a:extLst>
-              <a:ext uri="{FF2B5EF4-FFF2-40B4-BE49-F238E27FC236}">
-                <a16:creationId xmlns:a16="http://schemas.microsoft.com/office/drawing/2014/main" id="{13688780-9046-DBE9-8B02-B4C15AE6F394}"/>
+          <p:cNvPr id="43" name="TextBox 42">
+            <a:extLst>
+              <a:ext uri="{FF2B5EF4-FFF2-40B4-BE49-F238E27FC236}">
+                <a16:creationId xmlns:a16="http://schemas.microsoft.com/office/drawing/2014/main" id="{A4608976-3372-7628-C659-B51D9E48BE0C}"/>
               </a:ext>
             </a:extLst>
           </p:cNvPr>
@@ -4045,8 +4045,8 @@
         </p:nvSpPr>
         <p:spPr>
           <a:xfrm>
-            <a:off x="1637733" y="2124950"/>
-            <a:ext cx="522900" cy="276999"/>
+            <a:off x="1332310" y="3399988"/>
+            <a:ext cx="1351396" cy="276999"/>
           </a:xfrm>
           <a:prstGeom prst="rect">
             <a:avLst/>
@@ -4061,15 +4061,7 @@
           <a:p>
             <a:r>
               <a:rPr lang="en-US" sz="1200" dirty="0"/>
-              <a:t>(</a:t>
-            </a:r>
-            <a:r>
-              <a:rPr lang="en-US" sz="1200" dirty="0" err="1"/>
-              <a:t>rien</a:t>
-            </a:r>
-            <a:r>
-              <a:rPr lang="en-US" sz="1200" dirty="0"/>
-              <a:t>)</a:t>
+              <a:t>Translation swerve</a:t>
             </a:r>
             <a:endParaRPr lang="en-CA" sz="1200" dirty="0"/>
           </a:p>
@@ -4077,10 +4069,10 @@
       </p:sp>
       <p:sp>
         <p:nvSpPr>
-          <p:cNvPr id="42" name="TextBox 41">
-            <a:extLst>
-              <a:ext uri="{FF2B5EF4-FFF2-40B4-BE49-F238E27FC236}">
-                <a16:creationId xmlns:a16="http://schemas.microsoft.com/office/drawing/2014/main" id="{926F5FDC-B541-0847-DD95-8474616FB866}"/>
+          <p:cNvPr id="44" name="TextBox 43">
+            <a:extLst>
+              <a:ext uri="{FF2B5EF4-FFF2-40B4-BE49-F238E27FC236}">
+                <a16:creationId xmlns:a16="http://schemas.microsoft.com/office/drawing/2014/main" id="{0D7D6FF3-03CB-7D55-9206-BFA5D394731F}"/>
               </a:ext>
             </a:extLst>
           </p:cNvPr>
@@ -4089,7 +4081,7 @@
         </p:nvSpPr>
         <p:spPr>
           <a:xfrm>
-            <a:off x="8605067" y="2037338"/>
+            <a:off x="3935676" y="5596665"/>
             <a:ext cx="522900" cy="276999"/>
           </a:xfrm>
           <a:prstGeom prst="rect">
@@ -4121,10 +4113,10 @@
       </p:sp>
       <p:sp>
         <p:nvSpPr>
-          <p:cNvPr id="43" name="TextBox 42">
-            <a:extLst>
-              <a:ext uri="{FF2B5EF4-FFF2-40B4-BE49-F238E27FC236}">
-                <a16:creationId xmlns:a16="http://schemas.microsoft.com/office/drawing/2014/main" id="{A4608976-3372-7628-C659-B51D9E48BE0C}"/>
+          <p:cNvPr id="46" name="TextBox 45">
+            <a:extLst>
+              <a:ext uri="{FF2B5EF4-FFF2-40B4-BE49-F238E27FC236}">
+                <a16:creationId xmlns:a16="http://schemas.microsoft.com/office/drawing/2014/main" id="{DFE08B2A-459D-0A97-7EA3-326BAED13616}"/>
               </a:ext>
             </a:extLst>
           </p:cNvPr>
@@ -4133,8 +4125,8 @@
         </p:nvSpPr>
         <p:spPr>
           <a:xfrm>
-            <a:off x="1332310" y="3399988"/>
-            <a:ext cx="1351396" cy="276999"/>
+            <a:off x="5254962" y="5873664"/>
+            <a:ext cx="522900" cy="276999"/>
           </a:xfrm>
           <a:prstGeom prst="rect">
             <a:avLst/>
@@ -4149,7 +4141,15 @@
           <a:p>
             <a:r>
               <a:rPr lang="en-US" sz="1200" dirty="0"/>
-              <a:t>Translation swerve</a:t>
+              <a:t>(</a:t>
+            </a:r>
+            <a:r>
+              <a:rPr lang="en-US" sz="1200" dirty="0" err="1"/>
+              <a:t>rien</a:t>
+            </a:r>
+            <a:r>
+              <a:rPr lang="en-US" sz="1200" dirty="0"/>
+              <a:t>)</a:t>
             </a:r>
             <a:endParaRPr lang="en-CA" sz="1200" dirty="0"/>
           </a:p>
@@ -4157,10 +4157,10 @@
       </p:sp>
       <p:sp>
         <p:nvSpPr>
-          <p:cNvPr id="44" name="TextBox 43">
-            <a:extLst>
-              <a:ext uri="{FF2B5EF4-FFF2-40B4-BE49-F238E27FC236}">
-                <a16:creationId xmlns:a16="http://schemas.microsoft.com/office/drawing/2014/main" id="{0D7D6FF3-03CB-7D55-9206-BFA5D394731F}"/>
+          <p:cNvPr id="48" name="TextBox 47">
+            <a:extLst>
+              <a:ext uri="{FF2B5EF4-FFF2-40B4-BE49-F238E27FC236}">
+                <a16:creationId xmlns:a16="http://schemas.microsoft.com/office/drawing/2014/main" id="{672FF428-2F79-CFBA-AE32-C7E6AB530F17}"/>
               </a:ext>
             </a:extLst>
           </p:cNvPr>
@@ -4169,8 +4169,8 @@
         </p:nvSpPr>
         <p:spPr>
           <a:xfrm>
-            <a:off x="3935676" y="5596665"/>
-            <a:ext cx="522900" cy="276999"/>
+            <a:off x="7055227" y="5514139"/>
+            <a:ext cx="2192780" cy="276999"/>
           </a:xfrm>
           <a:prstGeom prst="rect">
             <a:avLst/>
@@ -4185,15 +4185,7 @@
           <a:p>
             <a:r>
               <a:rPr lang="en-US" sz="1200" dirty="0"/>
-              <a:t>(</a:t>
-            </a:r>
-            <a:r>
-              <a:rPr lang="en-US" sz="1200" dirty="0" err="1"/>
-              <a:t>rien</a:t>
-            </a:r>
-            <a:r>
-              <a:rPr lang="en-US" sz="1200" dirty="0"/>
-              <a:t>)</a:t>
+              <a:t>Rotation swerve (gauche-droite)</a:t>
             </a:r>
             <a:endParaRPr lang="en-CA" sz="1200" dirty="0"/>
           </a:p>
@@ -4201,10 +4193,10 @@
       </p:sp>
       <p:sp>
         <p:nvSpPr>
-          <p:cNvPr id="46" name="TextBox 45">
-            <a:extLst>
-              <a:ext uri="{FF2B5EF4-FFF2-40B4-BE49-F238E27FC236}">
-                <a16:creationId xmlns:a16="http://schemas.microsoft.com/office/drawing/2014/main" id="{DFE08B2A-459D-0A97-7EA3-326BAED13616}"/>
+          <p:cNvPr id="49" name="TextBox 48">
+            <a:extLst>
+              <a:ext uri="{FF2B5EF4-FFF2-40B4-BE49-F238E27FC236}">
+                <a16:creationId xmlns:a16="http://schemas.microsoft.com/office/drawing/2014/main" id="{4BD05D6D-9F93-A0DF-2635-0A7BF275317B}"/>
               </a:ext>
             </a:extLst>
           </p:cNvPr>
@@ -4213,8 +4205,8 @@
         </p:nvSpPr>
         <p:spPr>
           <a:xfrm>
-            <a:off x="5254962" y="5873664"/>
-            <a:ext cx="522900" cy="276999"/>
+            <a:off x="8558684" y="2736624"/>
+            <a:ext cx="2402837" cy="276999"/>
           </a:xfrm>
           <a:prstGeom prst="rect">
             <a:avLst/>
@@ -4229,95 +4221,15 @@
           <a:p>
             <a:r>
               <a:rPr lang="en-US" sz="1200" dirty="0"/>
-              <a:t>(</a:t>
+              <a:t>Routine </a:t>
             </a:r>
             <a:r>
               <a:rPr lang="en-US" sz="1200" dirty="0" err="1"/>
-              <a:t>rien</a:t>
+              <a:t>autonome</a:t>
             </a:r>
             <a:r>
               <a:rPr lang="en-US" sz="1200" dirty="0"/>
-              <a:t>)</a:t>
-            </a:r>
-            <a:endParaRPr lang="en-CA" sz="1200" dirty="0"/>
-          </a:p>
-        </p:txBody>
-      </p:sp>
-      <p:sp>
-        <p:nvSpPr>
-          <p:cNvPr id="48" name="TextBox 47">
-            <a:extLst>
-              <a:ext uri="{FF2B5EF4-FFF2-40B4-BE49-F238E27FC236}">
-                <a16:creationId xmlns:a16="http://schemas.microsoft.com/office/drawing/2014/main" id="{672FF428-2F79-CFBA-AE32-C7E6AB530F17}"/>
-              </a:ext>
-            </a:extLst>
-          </p:cNvPr>
-          <p:cNvSpPr txBox="1"/>
-          <p:nvPr/>
-        </p:nvSpPr>
-        <p:spPr>
-          <a:xfrm>
-            <a:off x="7055227" y="5514139"/>
-            <a:ext cx="2192780" cy="276999"/>
-          </a:xfrm>
-          <a:prstGeom prst="rect">
-            <a:avLst/>
-          </a:prstGeom>
-          <a:noFill/>
-        </p:spPr>
-        <p:txBody>
-          <a:bodyPr wrap="none" rtlCol="0">
-            <a:spAutoFit/>
-          </a:bodyPr>
-          <a:lstStyle/>
-          <a:p>
-            <a:r>
-              <a:rPr lang="en-US" sz="1200" dirty="0"/>
-              <a:t>Rotation swerve (gauche-droite)</a:t>
-            </a:r>
-            <a:endParaRPr lang="en-CA" sz="1200" dirty="0"/>
-          </a:p>
-        </p:txBody>
-      </p:sp>
-      <p:sp>
-        <p:nvSpPr>
-          <p:cNvPr id="49" name="TextBox 48">
-            <a:extLst>
-              <a:ext uri="{FF2B5EF4-FFF2-40B4-BE49-F238E27FC236}">
-                <a16:creationId xmlns:a16="http://schemas.microsoft.com/office/drawing/2014/main" id="{4BD05D6D-9F93-A0DF-2635-0A7BF275317B}"/>
-              </a:ext>
-            </a:extLst>
-          </p:cNvPr>
-          <p:cNvSpPr txBox="1"/>
-          <p:nvPr/>
-        </p:nvSpPr>
-        <p:spPr>
-          <a:xfrm>
-            <a:off x="8558684" y="2736624"/>
-            <a:ext cx="522900" cy="276999"/>
-          </a:xfrm>
-          <a:prstGeom prst="rect">
-            <a:avLst/>
-          </a:prstGeom>
-          <a:noFill/>
-        </p:spPr>
-        <p:txBody>
-          <a:bodyPr wrap="none" rtlCol="0">
-            <a:spAutoFit/>
-          </a:bodyPr>
-          <a:lstStyle/>
-          <a:p>
-            <a:r>
-              <a:rPr lang="en-US" sz="1200" dirty="0"/>
-              <a:t>(</a:t>
-            </a:r>
-            <a:r>
-              <a:rPr lang="en-US" sz="1200" dirty="0" err="1"/>
-              <a:t>rien</a:t>
-            </a:r>
-            <a:r>
-              <a:rPr lang="en-US" sz="1200" dirty="0"/>
-              <a:t>)</a:t>
+              <a:t> “aim and shoot”</a:t>
             </a:r>
             <a:endParaRPr lang="en-CA" sz="1200" dirty="0"/>
           </a:p>
@@ -4784,6 +4696,87 @@
             <a:r>
               <a:rPr lang="en-US" sz="1200" dirty="0"/>
               <a:t>)</a:t>
+            </a:r>
+            <a:endParaRPr lang="en-CA" sz="1200" dirty="0"/>
+          </a:p>
+        </p:txBody>
+      </p:sp>
+      <p:sp>
+        <p:nvSpPr>
+          <p:cNvPr id="5" name="TextBox 15">
+            <a:extLst>
+              <a:ext uri="{FF2B5EF4-FFF2-40B4-BE49-F238E27FC236}">
+                <a16:creationId xmlns:a16="http://schemas.microsoft.com/office/drawing/2014/main" id="{A669F8E3-0DD2-CD49-2913-931E02681BAB}"/>
+              </a:ext>
+            </a:extLst>
+          </p:cNvPr>
+          <p:cNvSpPr txBox="1"/>
+          <p:nvPr/>
+        </p:nvSpPr>
+        <p:spPr>
+          <a:xfrm>
+            <a:off x="1915081" y="2133847"/>
+            <a:ext cx="992066" cy="276999"/>
+          </a:xfrm>
+          <a:prstGeom prst="rect">
+            <a:avLst/>
+          </a:prstGeom>
+          <a:noFill/>
+        </p:spPr>
+        <p:txBody>
+          <a:bodyPr wrap="none" rtlCol="0">
+            <a:spAutoFit/>
+          </a:bodyPr>
+          <a:lstStyle/>
+          <a:p>
+            <a:pPr algn="r"/>
+            <a:r>
+              <a:rPr lang="en-US" sz="1200" dirty="0" err="1"/>
+              <a:t>Avaler</a:t>
+            </a:r>
+            <a:r>
+              <a:rPr lang="en-US" sz="1200" dirty="0"/>
+              <a:t> intake</a:t>
+            </a:r>
+            <a:endParaRPr lang="en-CA" sz="1200" dirty="0"/>
+          </a:p>
+        </p:txBody>
+      </p:sp>
+      <p:sp>
+        <p:nvSpPr>
+          <p:cNvPr id="13" name="TextBox 12">
+            <a:extLst>
+              <a:ext uri="{FF2B5EF4-FFF2-40B4-BE49-F238E27FC236}">
+                <a16:creationId xmlns:a16="http://schemas.microsoft.com/office/drawing/2014/main" id="{9797E239-F60C-83F3-B392-3A43B8E415AD}"/>
+              </a:ext>
+            </a:extLst>
+          </p:cNvPr>
+          <p:cNvSpPr txBox="1"/>
+          <p:nvPr/>
+        </p:nvSpPr>
+        <p:spPr>
+          <a:xfrm>
+            <a:off x="8585551" y="2004122"/>
+            <a:ext cx="1222194" cy="276999"/>
+          </a:xfrm>
+          <a:prstGeom prst="rect">
+            <a:avLst/>
+          </a:prstGeom>
+          <a:noFill/>
+        </p:spPr>
+        <p:txBody>
+          <a:bodyPr wrap="none" rtlCol="0">
+            <a:spAutoFit/>
+          </a:bodyPr>
+          <a:lstStyle/>
+          <a:p>
+            <a:r>
+              <a:rPr lang="en-US" sz="1200" dirty="0" err="1"/>
+              <a:t>Recracher</a:t>
+            </a:r>
+            <a:r>
+              <a:rPr lang="en-US" sz="1200" dirty="0"/>
+              <a:t> intake</a:t>
             </a:r>
             <a:endParaRPr lang="en-CA" sz="1200" dirty="0"/>
           </a:p>
@@ -5945,8 +5938,8 @@
         </p:nvSpPr>
         <p:spPr>
           <a:xfrm>
-            <a:off x="1684952" y="2133847"/>
-            <a:ext cx="1222194" cy="276999"/>
+            <a:off x="1915081" y="2133847"/>
+            <a:ext cx="992066" cy="276999"/>
           </a:xfrm>
           <a:prstGeom prst="rect">
             <a:avLst/>
@@ -5962,7 +5955,7 @@
             <a:pPr algn="r"/>
             <a:r>
               <a:rPr lang="en-US" sz="1200" dirty="0" err="1"/>
-              <a:t>Recracher</a:t>
+              <a:t>Avaler</a:t>
             </a:r>
             <a:r>
               <a:rPr lang="en-US" sz="1200" dirty="0"/>
@@ -6146,7 +6139,7 @@
         <p:spPr>
           <a:xfrm>
             <a:off x="8585551" y="2004122"/>
-            <a:ext cx="992066" cy="276999"/>
+            <a:ext cx="1222194" cy="276999"/>
           </a:xfrm>
           <a:prstGeom prst="rect">
             <a:avLst/>
@@ -6161,7 +6154,7 @@
           <a:p>
             <a:r>
               <a:rPr lang="en-US" sz="1200" dirty="0" err="1"/>
-              <a:t>Avaler</a:t>
+              <a:t>Recracher</a:t>
             </a:r>
             <a:r>
               <a:rPr lang="en-US" sz="1200" dirty="0"/>

--- a/contrôles robot 2024.pptx
+++ b/contrôles robot 2024.pptx
@@ -5466,8 +5466,8 @@
         </p:nvSpPr>
         <p:spPr>
           <a:xfrm>
-            <a:off x="6589830" y="5466522"/>
-            <a:ext cx="1663982" cy="276999"/>
+            <a:off x="6526480" y="5466522"/>
+            <a:ext cx="1790683" cy="461665"/>
           </a:xfrm>
           <a:prstGeom prst="rect">
             <a:avLst/>
@@ -5496,6 +5496,29 @@
             <a:r>
               <a:rPr lang="en-US" sz="1200" dirty="0"/>
               <a:t> bras</a:t>
+            </a:r>
+          </a:p>
+          <a:p>
+            <a:pPr algn="ctr"/>
+            <a:r>
+              <a:rPr lang="en-US" sz="1200" dirty="0"/>
+              <a:t>(</a:t>
+            </a:r>
+            <a:r>
+              <a:rPr lang="en-US" sz="1200" dirty="0" err="1"/>
+              <a:t>maintenir</a:t>
+            </a:r>
+            <a:r>
+              <a:rPr lang="en-US" sz="1200" dirty="0"/>
+              <a:t> BACK </a:t>
+            </a:r>
+            <a:r>
+              <a:rPr lang="en-US" sz="1200" dirty="0" err="1"/>
+              <a:t>enfoncé</a:t>
+            </a:r>
+            <a:r>
+              <a:rPr lang="en-US" sz="1200" dirty="0"/>
+              <a:t>)</a:t>
             </a:r>
             <a:endParaRPr lang="en-CA" sz="1200" dirty="0"/>
           </a:p>
@@ -6093,8 +6116,8 @@
         </p:nvSpPr>
         <p:spPr>
           <a:xfrm>
-            <a:off x="4510275" y="1037709"/>
-            <a:ext cx="522900" cy="276999"/>
+            <a:off x="3630433" y="873804"/>
+            <a:ext cx="2317942" cy="461665"/>
           </a:xfrm>
           <a:prstGeom prst="rect">
             <a:avLst/>
@@ -6109,12 +6132,39 @@
           <a:p>
             <a:pPr algn="ctr"/>
             <a:r>
+              <a:rPr lang="en-US" sz="1200" dirty="0" err="1"/>
+              <a:t>Actionner</a:t>
+            </a:r>
+            <a:r>
+              <a:rPr lang="en-US" sz="1200" dirty="0"/>
+              <a:t> movement </a:t>
+            </a:r>
+            <a:r>
+              <a:rPr lang="en-US" sz="1200" dirty="0" err="1"/>
+              <a:t>manuel</a:t>
+            </a:r>
+            <a:r>
+              <a:rPr lang="en-US" sz="1200" dirty="0"/>
+              <a:t> bras</a:t>
+            </a:r>
+          </a:p>
+          <a:p>
+            <a:pPr algn="ctr"/>
+            <a:r>
               <a:rPr lang="en-US" sz="1200" dirty="0"/>
               <a:t>(</a:t>
             </a:r>
             <a:r>
               <a:rPr lang="en-US" sz="1200" dirty="0" err="1"/>
-              <a:t>rien</a:t>
+              <a:t>maintenir</a:t>
+            </a:r>
+            <a:r>
+              <a:rPr lang="en-US" sz="1200" dirty="0"/>
+              <a:t> </a:t>
+            </a:r>
+            <a:r>
+              <a:rPr lang="en-US" sz="1200" dirty="0" err="1"/>
+              <a:t>enfoncé</a:t>
             </a:r>
             <a:r>
               <a:rPr lang="en-US" sz="1200" dirty="0"/>

--- a/contrôles robot 2024.pptx
+++ b/contrôles robot 2024.pptx
@@ -262,7 +262,7 @@
           <a:p>
             <a:fld id="{79CAEDCB-866F-4026-9D09-A4CC0815956A}" type="datetimeFigureOut">
               <a:rPr lang="en-CA" smtClean="0"/>
-              <a:t>2024-02-28</a:t>
+              <a:t>2024-02-29</a:t>
             </a:fld>
             <a:endParaRPr lang="en-CA"/>
           </a:p>
@@ -462,7 +462,7 @@
           <a:p>
             <a:fld id="{79CAEDCB-866F-4026-9D09-A4CC0815956A}" type="datetimeFigureOut">
               <a:rPr lang="en-CA" smtClean="0"/>
-              <a:t>2024-02-28</a:t>
+              <a:t>2024-02-29</a:t>
             </a:fld>
             <a:endParaRPr lang="en-CA"/>
           </a:p>
@@ -672,7 +672,7 @@
           <a:p>
             <a:fld id="{79CAEDCB-866F-4026-9D09-A4CC0815956A}" type="datetimeFigureOut">
               <a:rPr lang="en-CA" smtClean="0"/>
-              <a:t>2024-02-28</a:t>
+              <a:t>2024-02-29</a:t>
             </a:fld>
             <a:endParaRPr lang="en-CA"/>
           </a:p>
@@ -872,7 +872,7 @@
           <a:p>
             <a:fld id="{79CAEDCB-866F-4026-9D09-A4CC0815956A}" type="datetimeFigureOut">
               <a:rPr lang="en-CA" smtClean="0"/>
-              <a:t>2024-02-28</a:t>
+              <a:t>2024-02-29</a:t>
             </a:fld>
             <a:endParaRPr lang="en-CA"/>
           </a:p>
@@ -1148,7 +1148,7 @@
           <a:p>
             <a:fld id="{79CAEDCB-866F-4026-9D09-A4CC0815956A}" type="datetimeFigureOut">
               <a:rPr lang="en-CA" smtClean="0"/>
-              <a:t>2024-02-28</a:t>
+              <a:t>2024-02-29</a:t>
             </a:fld>
             <a:endParaRPr lang="en-CA"/>
           </a:p>
@@ -1416,7 +1416,7 @@
           <a:p>
             <a:fld id="{79CAEDCB-866F-4026-9D09-A4CC0815956A}" type="datetimeFigureOut">
               <a:rPr lang="en-CA" smtClean="0"/>
-              <a:t>2024-02-28</a:t>
+              <a:t>2024-02-29</a:t>
             </a:fld>
             <a:endParaRPr lang="en-CA"/>
           </a:p>
@@ -1831,7 +1831,7 @@
           <a:p>
             <a:fld id="{79CAEDCB-866F-4026-9D09-A4CC0815956A}" type="datetimeFigureOut">
               <a:rPr lang="en-CA" smtClean="0"/>
-              <a:t>2024-02-28</a:t>
+              <a:t>2024-02-29</a:t>
             </a:fld>
             <a:endParaRPr lang="en-CA"/>
           </a:p>
@@ -1973,7 +1973,7 @@
           <a:p>
             <a:fld id="{79CAEDCB-866F-4026-9D09-A4CC0815956A}" type="datetimeFigureOut">
               <a:rPr lang="en-CA" smtClean="0"/>
-              <a:t>2024-02-28</a:t>
+              <a:t>2024-02-29</a:t>
             </a:fld>
             <a:endParaRPr lang="en-CA"/>
           </a:p>
@@ -2086,7 +2086,7 @@
           <a:p>
             <a:fld id="{79CAEDCB-866F-4026-9D09-A4CC0815956A}" type="datetimeFigureOut">
               <a:rPr lang="en-CA" smtClean="0"/>
-              <a:t>2024-02-28</a:t>
+              <a:t>2024-02-29</a:t>
             </a:fld>
             <a:endParaRPr lang="en-CA"/>
           </a:p>
@@ -2399,7 +2399,7 @@
           <a:p>
             <a:fld id="{79CAEDCB-866F-4026-9D09-A4CC0815956A}" type="datetimeFigureOut">
               <a:rPr lang="en-CA" smtClean="0"/>
-              <a:t>2024-02-28</a:t>
+              <a:t>2024-02-29</a:t>
             </a:fld>
             <a:endParaRPr lang="en-CA"/>
           </a:p>
@@ -2688,7 +2688,7 @@
           <a:p>
             <a:fld id="{79CAEDCB-866F-4026-9D09-A4CC0815956A}" type="datetimeFigureOut">
               <a:rPr lang="en-CA" smtClean="0"/>
-              <a:t>2024-02-28</a:t>
+              <a:t>2024-02-29</a:t>
             </a:fld>
             <a:endParaRPr lang="en-CA"/>
           </a:p>
@@ -2931,7 +2931,7 @@
           <a:p>
             <a:fld id="{79CAEDCB-866F-4026-9D09-A4CC0815956A}" type="datetimeFigureOut">
               <a:rPr lang="en-CA" smtClean="0"/>
-              <a:t>2024-02-28</a:t>
+              <a:t>2024-02-29</a:t>
             </a:fld>
             <a:endParaRPr lang="en-CA"/>
           </a:p>
@@ -5421,8 +5421,8 @@
         </p:nvSpPr>
         <p:spPr>
           <a:xfrm>
-            <a:off x="997410" y="3399988"/>
-            <a:ext cx="1920719" cy="276999"/>
+            <a:off x="1369564" y="3399988"/>
+            <a:ext cx="1548565" cy="276999"/>
           </a:xfrm>
           <a:prstGeom prst="rect">
             <a:avLst/>
@@ -5442,11 +5442,11 @@
             </a:r>
             <a:r>
               <a:rPr lang="en-US" sz="1200" dirty="0" err="1"/>
-              <a:t>en</a:t>
+              <a:t>sens</a:t>
             </a:r>
             <a:r>
               <a:rPr lang="en-US" sz="1200" dirty="0"/>
-              <a:t> haut pour hisser)</a:t>
+              <a:t> à tester!)</a:t>
             </a:r>
             <a:endParaRPr lang="en-CA" sz="1200" dirty="0"/>
           </a:p>

--- a/contrôles robot 2024.pptx
+++ b/contrôles robot 2024.pptx
@@ -4206,7 +4206,7 @@
         <p:spPr>
           <a:xfrm>
             <a:off x="8558684" y="2736624"/>
-            <a:ext cx="2402837" cy="276999"/>
+            <a:ext cx="3264035" cy="276999"/>
           </a:xfrm>
           <a:prstGeom prst="rect">
             <a:avLst/>
@@ -4229,7 +4229,7 @@
             </a:r>
             <a:r>
               <a:rPr lang="en-US" sz="1200" dirty="0"/>
-              <a:t> “aim and shoot”</a:t>
+              <a:t> “aim and shoot” dans speaker</a:t>
             </a:r>
             <a:endParaRPr lang="en-CA" sz="1200" dirty="0"/>
           </a:p>
@@ -4250,7 +4250,7 @@
         <p:spPr>
           <a:xfrm>
             <a:off x="8523798" y="3093625"/>
-            <a:ext cx="2329227" cy="276999"/>
+            <a:ext cx="3030188" cy="276999"/>
           </a:xfrm>
           <a:prstGeom prst="rect">
             <a:avLst/>
@@ -4264,16 +4264,16 @@
           <a:lstStyle/>
           <a:p>
             <a:r>
+              <a:rPr lang="en-US" sz="1200" dirty="0" err="1"/>
+              <a:t>Positionne</a:t>
+            </a:r>
+            <a:r>
               <a:rPr lang="en-US" sz="1200" dirty="0"/>
-              <a:t>Routine </a:t>
+              <a:t> bras 90deg pour lancer dans </a:t>
             </a:r>
             <a:r>
               <a:rPr lang="en-US" sz="1200" dirty="0" err="1"/>
-              <a:t>autonome</a:t>
-            </a:r>
-            <a:r>
-              <a:rPr lang="en-US" sz="1200" dirty="0"/>
-              <a:t> “auto aim line”</a:t>
+              <a:t>ampli</a:t>
             </a:r>
             <a:endParaRPr lang="en-CA" sz="1200" dirty="0"/>
           </a:p>
@@ -4294,7 +4294,7 @@
         <p:spPr>
           <a:xfrm>
             <a:off x="8558684" y="3798110"/>
-            <a:ext cx="2415661" cy="276999"/>
+            <a:ext cx="522900" cy="276999"/>
           </a:xfrm>
           <a:prstGeom prst="rect">
             <a:avLst/>
@@ -4309,15 +4309,15 @@
           <a:p>
             <a:r>
               <a:rPr lang="en-US" sz="1200" dirty="0"/>
-              <a:t>Routine </a:t>
+              <a:t>(</a:t>
             </a:r>
             <a:r>
               <a:rPr lang="en-US" sz="1200" dirty="0" err="1"/>
-              <a:t>autonome</a:t>
+              <a:t>rien</a:t>
             </a:r>
             <a:r>
               <a:rPr lang="en-US" sz="1200" dirty="0"/>
-              <a:t> “move arm aim”</a:t>
+              <a:t>)</a:t>
             </a:r>
             <a:endParaRPr lang="en-CA" sz="1200" dirty="0"/>
           </a:p>
@@ -4625,8 +4625,8 @@
         </p:nvSpPr>
         <p:spPr>
           <a:xfrm>
-            <a:off x="6305283" y="1113675"/>
-            <a:ext cx="522900" cy="276999"/>
+            <a:off x="5859652" y="1113675"/>
+            <a:ext cx="1414170" cy="276999"/>
           </a:xfrm>
           <a:prstGeom prst="rect">
             <a:avLst/>
@@ -4642,15 +4642,7 @@
             <a:pPr algn="ctr"/>
             <a:r>
               <a:rPr lang="en-US" sz="1200" dirty="0"/>
-              <a:t>(</a:t>
-            </a:r>
-            <a:r>
-              <a:rPr lang="en-US" sz="1200" dirty="0" err="1"/>
-              <a:t>rien</a:t>
-            </a:r>
-            <a:r>
-              <a:rPr lang="en-US" sz="1200" dirty="0"/>
-              <a:t>)</a:t>
+              <a:t>Routine lancer note</a:t>
             </a:r>
             <a:endParaRPr lang="en-CA" sz="1200" dirty="0"/>
           </a:p>

--- a/contrôles robot 2024.pptx
+++ b/contrôles robot 2024.pptx
@@ -3981,7 +3981,7 @@
           <a:p>
             <a:r>
               <a:rPr lang="en-US" dirty="0"/>
-              <a:t>En date du 2024-02-28</a:t>
+              <a:t>En date du 2024-02-29</a:t>
             </a:r>
             <a:endParaRPr lang="en-CA" dirty="0"/>
           </a:p>
@@ -4206,7 +4206,7 @@
         <p:spPr>
           <a:xfrm>
             <a:off x="8558684" y="2736624"/>
-            <a:ext cx="3264035" cy="276999"/>
+            <a:ext cx="522900" cy="276999"/>
           </a:xfrm>
           <a:prstGeom prst="rect">
             <a:avLst/>
@@ -4221,15 +4221,15 @@
           <a:p>
             <a:r>
               <a:rPr lang="en-US" sz="1200" dirty="0"/>
-              <a:t>Routine </a:t>
+              <a:t>(</a:t>
             </a:r>
             <a:r>
               <a:rPr lang="en-US" sz="1200" dirty="0" err="1"/>
-              <a:t>autonome</a:t>
+              <a:t>rien</a:t>
             </a:r>
             <a:r>
               <a:rPr lang="en-US" sz="1200" dirty="0"/>
-              <a:t> “aim and shoot” dans speaker</a:t>
+              <a:t>)</a:t>
             </a:r>
             <a:endParaRPr lang="en-CA" sz="1200" dirty="0"/>
           </a:p>
@@ -4250,7 +4250,7 @@
         <p:spPr>
           <a:xfrm>
             <a:off x="8523798" y="3093625"/>
-            <a:ext cx="3030188" cy="276999"/>
+            <a:ext cx="522900" cy="276999"/>
           </a:xfrm>
           <a:prstGeom prst="rect">
             <a:avLst/>
@@ -4264,16 +4264,16 @@
           <a:lstStyle/>
           <a:p>
             <a:r>
+              <a:rPr lang="en-US" sz="1200" dirty="0"/>
+              <a:t>(</a:t>
+            </a:r>
+            <a:r>
               <a:rPr lang="en-US" sz="1200" dirty="0" err="1"/>
-              <a:t>Positionne</a:t>
+              <a:t>rien</a:t>
             </a:r>
             <a:r>
               <a:rPr lang="en-US" sz="1200" dirty="0"/>
-              <a:t> bras 90deg pour lancer dans </a:t>
-            </a:r>
-            <a:r>
-              <a:rPr lang="en-US" sz="1200" dirty="0" err="1"/>
-              <a:t>ampli</a:t>
+              <a:t>)</a:t>
             </a:r>
             <a:endParaRPr lang="en-CA" sz="1200" dirty="0"/>
           </a:p>
@@ -4338,7 +4338,7 @@
         <p:spPr>
           <a:xfrm>
             <a:off x="8558684" y="4151823"/>
-            <a:ext cx="2479846" cy="276999"/>
+            <a:ext cx="522900" cy="276999"/>
           </a:xfrm>
           <a:prstGeom prst="rect">
             <a:avLst/>
@@ -4353,15 +4353,15 @@
           <a:p>
             <a:r>
               <a:rPr lang="en-US" sz="1200" dirty="0"/>
-              <a:t>Routine </a:t>
+              <a:t>(</a:t>
             </a:r>
             <a:r>
               <a:rPr lang="en-US" sz="1200" dirty="0" err="1"/>
-              <a:t>autonome</a:t>
+              <a:t>rien</a:t>
             </a:r>
             <a:r>
               <a:rPr lang="en-US" sz="1200" dirty="0"/>
-              <a:t> “auto pick note”</a:t>
+              <a:t>)</a:t>
             </a:r>
             <a:endParaRPr lang="en-CA" sz="1200" dirty="0"/>
           </a:p>
@@ -4625,8 +4625,8 @@
         </p:nvSpPr>
         <p:spPr>
           <a:xfrm>
-            <a:off x="5859652" y="1113675"/>
-            <a:ext cx="1414170" cy="276999"/>
+            <a:off x="6305288" y="1113675"/>
+            <a:ext cx="522900" cy="276999"/>
           </a:xfrm>
           <a:prstGeom prst="rect">
             <a:avLst/>
@@ -4642,7 +4642,15 @@
             <a:pPr algn="ctr"/>
             <a:r>
               <a:rPr lang="en-US" sz="1200" dirty="0"/>
-              <a:t>Routine lancer note</a:t>
+              <a:t>(</a:t>
+            </a:r>
+            <a:r>
+              <a:rPr lang="en-US" sz="1200" dirty="0" err="1"/>
+              <a:t>rien</a:t>
+            </a:r>
+            <a:r>
+              <a:rPr lang="en-US" sz="1200" dirty="0"/>
+              <a:t>)</a:t>
             </a:r>
             <a:endParaRPr lang="en-CA" sz="1200" dirty="0"/>
           </a:p>
@@ -4707,8 +4715,8 @@
         </p:nvSpPr>
         <p:spPr>
           <a:xfrm>
-            <a:off x="1915081" y="2133847"/>
-            <a:ext cx="992066" cy="276999"/>
+            <a:off x="1810308" y="2133847"/>
+            <a:ext cx="1096839" cy="276999"/>
           </a:xfrm>
           <a:prstGeom prst="rect">
             <a:avLst/>
@@ -4723,12 +4731,8 @@
           <a:p>
             <a:pPr algn="r"/>
             <a:r>
-              <a:rPr lang="en-US" sz="1200" dirty="0" err="1"/>
-              <a:t>Avaler</a:t>
-            </a:r>
-            <a:r>
               <a:rPr lang="en-US" sz="1200" dirty="0"/>
-              <a:t> intake</a:t>
+              <a:t>Auto pick note</a:t>
             </a:r>
             <a:endParaRPr lang="en-CA" sz="1200" dirty="0"/>
           </a:p>
@@ -4749,7 +4753,7 @@
         <p:spPr>
           <a:xfrm>
             <a:off x="8585551" y="2004122"/>
-            <a:ext cx="1222194" cy="276999"/>
+            <a:ext cx="1414298" cy="276999"/>
           </a:xfrm>
           <a:prstGeom prst="rect">
             <a:avLst/>
@@ -4763,12 +4767,8 @@
           <a:lstStyle/>
           <a:p>
             <a:r>
-              <a:rPr lang="en-US" sz="1200" dirty="0" err="1"/>
-              <a:t>Recracher</a:t>
-            </a:r>
-            <a:r>
               <a:rPr lang="en-US" sz="1200" dirty="0"/>
-              <a:t> intake</a:t>
+              <a:t>Auto aim and shoot</a:t>
             </a:r>
             <a:endParaRPr lang="en-CA" sz="1200" dirty="0"/>
           </a:p>
@@ -5393,7 +5393,7 @@
           <a:p>
             <a:r>
               <a:rPr lang="en-US" dirty="0"/>
-              <a:t>En date du 2024-02-28</a:t>
+              <a:t>En date du 2024-02-29</a:t>
             </a:r>
             <a:endParaRPr lang="en-CA" dirty="0"/>
           </a:p>
@@ -5413,8 +5413,8 @@
         </p:nvSpPr>
         <p:spPr>
           <a:xfrm>
-            <a:off x="1369564" y="3399988"/>
-            <a:ext cx="1548565" cy="276999"/>
+            <a:off x="1052554" y="3399988"/>
+            <a:ext cx="1865575" cy="461665"/>
           </a:xfrm>
           <a:prstGeom prst="rect">
             <a:avLst/>
@@ -5429,16 +5429,31 @@
           <a:p>
             <a:pPr algn="r"/>
             <a:r>
+              <a:rPr lang="en-US" sz="1200" dirty="0" err="1"/>
+              <a:t>Monter</a:t>
+            </a:r>
+            <a:r>
               <a:rPr lang="en-US" sz="1200" dirty="0"/>
-              <a:t>Winch (</a:t>
-            </a:r>
+              <a:t>/descender bras</a:t>
+            </a:r>
+          </a:p>
+          <a:p>
+            <a:pPr algn="r"/>
             <a:r>
               <a:rPr lang="en-US" sz="1200" dirty="0" err="1"/>
-              <a:t>sens</a:t>
+              <a:t>Maintenir</a:t>
             </a:r>
             <a:r>
               <a:rPr lang="en-US" sz="1200" dirty="0"/>
-              <a:t> à tester!)</a:t>
+              <a:t> bouton </a:t>
+            </a:r>
+            <a:r>
+              <a:rPr lang="en-US" sz="1200" dirty="0" err="1"/>
+              <a:t>enfoncé</a:t>
+            </a:r>
+            <a:r>
+              <a:rPr lang="en-US" sz="1200" dirty="0"/>
+              <a:t>.</a:t>
             </a:r>
             <a:endParaRPr lang="en-CA" sz="1200" dirty="0"/>
           </a:p>
@@ -5458,8 +5473,8 @@
         </p:nvSpPr>
         <p:spPr>
           <a:xfrm>
-            <a:off x="6526480" y="5466522"/>
-            <a:ext cx="1790683" cy="461665"/>
+            <a:off x="6489034" y="5466522"/>
+            <a:ext cx="1865575" cy="461665"/>
           </a:xfrm>
           <a:prstGeom prst="rect">
             <a:avLst/>
@@ -5474,35 +5489,27 @@
           <a:p>
             <a:pPr algn="ctr"/>
             <a:r>
+              <a:rPr lang="en-US" sz="1200" dirty="0"/>
+              <a:t>Winch (hisser: </a:t>
+            </a:r>
+            <a:r>
               <a:rPr lang="en-US" sz="1200" dirty="0" err="1"/>
-              <a:t>Monter</a:t>
+              <a:t>vers</a:t>
             </a:r>
             <a:r>
               <a:rPr lang="en-US" sz="1200" dirty="0"/>
-              <a:t>/</a:t>
-            </a:r>
+              <a:t> le bas)</a:t>
+            </a:r>
+          </a:p>
+          <a:p>
+            <a:pPr algn="ctr"/>
             <a:r>
               <a:rPr lang="en-US" sz="1200" dirty="0" err="1"/>
-              <a:t>descendre</a:t>
+              <a:t>Maintenir</a:t>
             </a:r>
             <a:r>
               <a:rPr lang="en-US" sz="1200" dirty="0"/>
-              <a:t> bras</a:t>
-            </a:r>
-          </a:p>
-          <a:p>
-            <a:pPr algn="ctr"/>
-            <a:r>
-              <a:rPr lang="en-US" sz="1200" dirty="0"/>
-              <a:t>(</a:t>
-            </a:r>
-            <a:r>
-              <a:rPr lang="en-US" sz="1200" dirty="0" err="1"/>
-              <a:t>maintenir</a:t>
-            </a:r>
-            <a:r>
-              <a:rPr lang="en-US" sz="1200" dirty="0"/>
-              <a:t> BACK </a:t>
+              <a:t> bouton </a:t>
             </a:r>
             <a:r>
               <a:rPr lang="en-US" sz="1200" dirty="0" err="1"/>
@@ -5510,7 +5517,7 @@
             </a:r>
             <a:r>
               <a:rPr lang="en-US" sz="1200" dirty="0"/>
-              <a:t>)</a:t>
+              <a:t>.</a:t>
             </a:r>
             <a:endParaRPr lang="en-CA" sz="1200" dirty="0"/>
           </a:p>
@@ -5531,7 +5538,7 @@
         <p:spPr>
           <a:xfrm>
             <a:off x="8558684" y="3798110"/>
-            <a:ext cx="522900" cy="276999"/>
+            <a:ext cx="1096839" cy="276999"/>
           </a:xfrm>
           <a:prstGeom prst="rect">
             <a:avLst/>
@@ -5546,15 +5553,7 @@
           <a:p>
             <a:r>
               <a:rPr lang="en-US" sz="1200" dirty="0"/>
-              <a:t>(</a:t>
-            </a:r>
-            <a:r>
-              <a:rPr lang="en-US" sz="1200" dirty="0" err="1"/>
-              <a:t>rien</a:t>
-            </a:r>
-            <a:r>
-              <a:rPr lang="en-US" sz="1200" dirty="0"/>
-              <a:t>)</a:t>
+              <a:t>Auto pick note</a:t>
             </a:r>
             <a:endParaRPr lang="en-CA" sz="1200" dirty="0"/>
           </a:p>
@@ -5649,8 +5648,8 @@
         </p:nvSpPr>
         <p:spPr>
           <a:xfrm>
-            <a:off x="2211047" y="3859052"/>
-            <a:ext cx="522900" cy="276999"/>
+            <a:off x="81437" y="3835984"/>
+            <a:ext cx="2825710" cy="276999"/>
           </a:xfrm>
           <a:prstGeom prst="rect">
             <a:avLst/>
@@ -5665,11 +5664,35 @@
           <a:p>
             <a:r>
               <a:rPr lang="en-US" sz="1200" dirty="0"/>
-              <a:t>(</a:t>
+              <a:t>Bras position </a:t>
             </a:r>
             <a:r>
               <a:rPr lang="en-US" sz="1200" dirty="0" err="1"/>
-              <a:t>rien</a:t>
+              <a:t>tir</a:t>
+            </a:r>
+            <a:r>
+              <a:rPr lang="en-US" sz="1200" dirty="0"/>
+              <a:t> </a:t>
+            </a:r>
+            <a:r>
+              <a:rPr lang="en-US" sz="1200" dirty="0" err="1"/>
+              <a:t>ampli</a:t>
+            </a:r>
+            <a:r>
+              <a:rPr lang="en-US" sz="1200" dirty="0"/>
+              <a:t> (</a:t>
+            </a:r>
+            <a:r>
+              <a:rPr lang="en-US" sz="1200" dirty="0" err="1"/>
+              <a:t>maintenir</a:t>
+            </a:r>
+            <a:r>
+              <a:rPr lang="en-US" sz="1200" dirty="0"/>
+              <a:t> </a:t>
+            </a:r>
+            <a:r>
+              <a:rPr lang="en-US" sz="1200" dirty="0" err="1"/>
+              <a:t>enfoncé</a:t>
             </a:r>
             <a:r>
               <a:rPr lang="en-US" sz="1200" dirty="0"/>
@@ -5732,8 +5755,8 @@
         </p:nvSpPr>
         <p:spPr>
           <a:xfrm>
-            <a:off x="2172999" y="4176637"/>
-            <a:ext cx="522900" cy="276999"/>
+            <a:off x="198157" y="4194187"/>
+            <a:ext cx="2655792" cy="276999"/>
           </a:xfrm>
           <a:prstGeom prst="rect">
             <a:avLst/>
@@ -5748,11 +5771,27 @@
           <a:p>
             <a:r>
               <a:rPr lang="en-US" sz="1200" dirty="0"/>
-              <a:t>(</a:t>
+              <a:t>Bras position </a:t>
             </a:r>
             <a:r>
               <a:rPr lang="en-US" sz="1200" dirty="0" err="1"/>
-              <a:t>rien</a:t>
+              <a:t>basse</a:t>
+            </a:r>
+            <a:r>
+              <a:rPr lang="en-US" sz="1200" dirty="0"/>
+              <a:t> (</a:t>
+            </a:r>
+            <a:r>
+              <a:rPr lang="en-US" sz="1200" dirty="0" err="1"/>
+              <a:t>maintenir</a:t>
+            </a:r>
+            <a:r>
+              <a:rPr lang="en-US" sz="1200" dirty="0"/>
+              <a:t> </a:t>
+            </a:r>
+            <a:r>
+              <a:rPr lang="en-US" sz="1200" dirty="0" err="1"/>
+              <a:t>enfoncé</a:t>
             </a:r>
             <a:r>
               <a:rPr lang="en-US" sz="1200" dirty="0"/>
@@ -5953,8 +5992,8 @@
         </p:nvSpPr>
         <p:spPr>
           <a:xfrm>
-            <a:off x="1915081" y="2133847"/>
-            <a:ext cx="992066" cy="276999"/>
+            <a:off x="1684953" y="2133847"/>
+            <a:ext cx="1222194" cy="276999"/>
           </a:xfrm>
           <a:prstGeom prst="rect">
             <a:avLst/>
@@ -5970,7 +6009,7 @@
             <a:pPr algn="r"/>
             <a:r>
               <a:rPr lang="en-US" sz="1200" dirty="0" err="1"/>
-              <a:t>Avaler</a:t>
+              <a:t>Recracher</a:t>
             </a:r>
             <a:r>
               <a:rPr lang="en-US" sz="1200" dirty="0"/>
@@ -6034,7 +6073,7 @@
         <p:spPr>
           <a:xfrm>
             <a:off x="5975304" y="1133324"/>
-            <a:ext cx="1409168" cy="276999"/>
+            <a:ext cx="522900" cy="276999"/>
           </a:xfrm>
           <a:prstGeom prst="rect">
             <a:avLst/>
@@ -6049,7 +6088,15 @@
           <a:p>
             <a:r>
               <a:rPr lang="en-US" sz="1200" dirty="0"/>
-              <a:t>Routine intake note</a:t>
+              <a:t>(</a:t>
+            </a:r>
+            <a:r>
+              <a:rPr lang="en-US" sz="1200" dirty="0" err="1"/>
+              <a:t>rien</a:t>
+            </a:r>
+            <a:r>
+              <a:rPr lang="en-US" sz="1200" dirty="0"/>
+              <a:t>)</a:t>
             </a:r>
             <a:endParaRPr lang="en-CA" sz="1200" dirty="0"/>
           </a:p>
@@ -6108,8 +6155,8 @@
         </p:nvSpPr>
         <p:spPr>
           <a:xfrm>
-            <a:off x="3630433" y="873804"/>
-            <a:ext cx="2317942" cy="461665"/>
+            <a:off x="4527955" y="873804"/>
+            <a:ext cx="522900" cy="276999"/>
           </a:xfrm>
           <a:prstGeom prst="rect">
             <a:avLst/>
@@ -6124,39 +6171,12 @@
           <a:p>
             <a:pPr algn="ctr"/>
             <a:r>
-              <a:rPr lang="en-US" sz="1200" dirty="0" err="1"/>
-              <a:t>Actionner</a:t>
-            </a:r>
-            <a:r>
-              <a:rPr lang="en-US" sz="1200" dirty="0"/>
-              <a:t> movement </a:t>
-            </a:r>
-            <a:r>
-              <a:rPr lang="en-US" sz="1200" dirty="0" err="1"/>
-              <a:t>manuel</a:t>
-            </a:r>
-            <a:r>
-              <a:rPr lang="en-US" sz="1200" dirty="0"/>
-              <a:t> bras</a:t>
-            </a:r>
-          </a:p>
-          <a:p>
-            <a:pPr algn="ctr"/>
-            <a:r>
               <a:rPr lang="en-US" sz="1200" dirty="0"/>
               <a:t>(</a:t>
             </a:r>
             <a:r>
               <a:rPr lang="en-US" sz="1200" dirty="0" err="1"/>
-              <a:t>maintenir</a:t>
-            </a:r>
-            <a:r>
-              <a:rPr lang="en-US" sz="1200" dirty="0"/>
-              <a:t> </a:t>
-            </a:r>
-            <a:r>
-              <a:rPr lang="en-US" sz="1200" dirty="0" err="1"/>
-              <a:t>enfoncé</a:t>
+              <a:t>rien</a:t>
             </a:r>
             <a:r>
               <a:rPr lang="en-US" sz="1200" dirty="0"/>
@@ -6181,7 +6201,7 @@
         <p:spPr>
           <a:xfrm>
             <a:off x="8585551" y="2004122"/>
-            <a:ext cx="1222194" cy="276999"/>
+            <a:ext cx="992066" cy="276999"/>
           </a:xfrm>
           <a:prstGeom prst="rect">
             <a:avLst/>
@@ -6196,7 +6216,7 @@
           <a:p>
             <a:r>
               <a:rPr lang="en-US" sz="1200" dirty="0" err="1"/>
-              <a:t>Recracher</a:t>
+              <a:t>Avaler</a:t>
             </a:r>
             <a:r>
               <a:rPr lang="en-US" sz="1200" dirty="0"/>
